--- a/ppt/dotNet14-Injection.pptx
+++ b/ppt/dotNet14-Injection.pptx
@@ -4115,10 +4115,9 @@
           <a:lstStyle/>
           <a:p>
             <a:r>
-              <a:rPr lang="fr-FR" dirty="0" err="1"/>
-              <a:t>IoD</a:t>
-            </a:r>
-            <a:endParaRPr lang="fr-FR" dirty="0"/>
+              <a:rPr lang="fr-FR" dirty="0"/>
+              <a:t>DI</a:t>
+            </a:r>
           </a:p>
           <a:p>
             <a:r>
@@ -4243,6 +4242,21 @@
           <a:p>
             <a:r>
               <a:rPr lang="fr-FR" dirty="0" err="1"/>
+              <a:t>AddTransient</a:t>
+            </a:r>
+            <a:endParaRPr lang="fr-FR" dirty="0"/>
+          </a:p>
+          <a:p>
+            <a:pPr lvl="1"/>
+            <a:r>
+              <a:rPr lang="fr-FR"/>
+              <a:t>New</a:t>
+            </a:r>
+            <a:endParaRPr lang="fr-FR" dirty="0"/>
+          </a:p>
+          <a:p>
+            <a:r>
+              <a:rPr lang="fr-FR" dirty="0" err="1"/>
               <a:t>AddScoped</a:t>
             </a:r>
             <a:endParaRPr lang="fr-FR" dirty="0"/>
@@ -4282,9 +4296,10 @@
               <a:t>Associe un contexte EF au </a:t>
             </a:r>
             <a:r>
-              <a:rPr lang="fr-FR"/>
+              <a:rPr lang="fr-FR" dirty="0" err="1"/>
               <a:t>ServiceCollection</a:t>
             </a:r>
+            <a:endParaRPr lang="fr-FR" dirty="0"/>
           </a:p>
         </p:txBody>
       </p:sp>
